--- a/html5game/game3/見鏠插針.pptx
+++ b/html5game/game3/見鏠插針.pptx
@@ -104,6 +104,11 @@
       </a:defRPr>
     </a:lvl9pPr>
   </p:defaultTextStyle>
+  <p:extLst>
+    <p:ext uri="{EFAFB233-063F-42B5-8137-9DF3F51BA10A}">
+      <p15:sldGuideLst xmlns:p15="http://schemas.microsoft.com/office/powerpoint/2012/main"/>
+    </p:ext>
+  </p:extLst>
 </p:presentation>
 </file>
 
@@ -254,7 +259,7 @@
           <a:p>
             <a:fld id="{E77ACE03-4FA6-4D5B-9B79-C7694F7C537E}" type="datetimeFigureOut">
               <a:rPr lang="zh-TW" altLang="en-US" smtClean="0"/>
-              <a:t>2021/6/18</a:t>
+              <a:t>2021/6/19</a:t>
             </a:fld>
             <a:endParaRPr lang="zh-TW" altLang="en-US"/>
           </a:p>
@@ -452,7 +457,7 @@
           <a:p>
             <a:fld id="{E77ACE03-4FA6-4D5B-9B79-C7694F7C537E}" type="datetimeFigureOut">
               <a:rPr lang="zh-TW" altLang="en-US" smtClean="0"/>
-              <a:t>2021/6/18</a:t>
+              <a:t>2021/6/19</a:t>
             </a:fld>
             <a:endParaRPr lang="zh-TW" altLang="en-US"/>
           </a:p>
@@ -660,7 +665,7 @@
           <a:p>
             <a:fld id="{E77ACE03-4FA6-4D5B-9B79-C7694F7C537E}" type="datetimeFigureOut">
               <a:rPr lang="zh-TW" altLang="en-US" smtClean="0"/>
-              <a:t>2021/6/18</a:t>
+              <a:t>2021/6/19</a:t>
             </a:fld>
             <a:endParaRPr lang="zh-TW" altLang="en-US"/>
           </a:p>
@@ -858,7 +863,7 @@
           <a:p>
             <a:fld id="{E77ACE03-4FA6-4D5B-9B79-C7694F7C537E}" type="datetimeFigureOut">
               <a:rPr lang="zh-TW" altLang="en-US" smtClean="0"/>
-              <a:t>2021/6/18</a:t>
+              <a:t>2021/6/19</a:t>
             </a:fld>
             <a:endParaRPr lang="zh-TW" altLang="en-US"/>
           </a:p>
@@ -1133,7 +1138,7 @@
           <a:p>
             <a:fld id="{E77ACE03-4FA6-4D5B-9B79-C7694F7C537E}" type="datetimeFigureOut">
               <a:rPr lang="zh-TW" altLang="en-US" smtClean="0"/>
-              <a:t>2021/6/18</a:t>
+              <a:t>2021/6/19</a:t>
             </a:fld>
             <a:endParaRPr lang="zh-TW" altLang="en-US"/>
           </a:p>
@@ -1398,7 +1403,7 @@
           <a:p>
             <a:fld id="{E77ACE03-4FA6-4D5B-9B79-C7694F7C537E}" type="datetimeFigureOut">
               <a:rPr lang="zh-TW" altLang="en-US" smtClean="0"/>
-              <a:t>2021/6/18</a:t>
+              <a:t>2021/6/19</a:t>
             </a:fld>
             <a:endParaRPr lang="zh-TW" altLang="en-US"/>
           </a:p>
@@ -1810,7 +1815,7 @@
           <a:p>
             <a:fld id="{E77ACE03-4FA6-4D5B-9B79-C7694F7C537E}" type="datetimeFigureOut">
               <a:rPr lang="zh-TW" altLang="en-US" smtClean="0"/>
-              <a:t>2021/6/18</a:t>
+              <a:t>2021/6/19</a:t>
             </a:fld>
             <a:endParaRPr lang="zh-TW" altLang="en-US"/>
           </a:p>
@@ -1951,7 +1956,7 @@
           <a:p>
             <a:fld id="{E77ACE03-4FA6-4D5B-9B79-C7694F7C537E}" type="datetimeFigureOut">
               <a:rPr lang="zh-TW" altLang="en-US" smtClean="0"/>
-              <a:t>2021/6/18</a:t>
+              <a:t>2021/6/19</a:t>
             </a:fld>
             <a:endParaRPr lang="zh-TW" altLang="en-US"/>
           </a:p>
@@ -2064,7 +2069,7 @@
           <a:p>
             <a:fld id="{E77ACE03-4FA6-4D5B-9B79-C7694F7C537E}" type="datetimeFigureOut">
               <a:rPr lang="zh-TW" altLang="en-US" smtClean="0"/>
-              <a:t>2021/6/18</a:t>
+              <a:t>2021/6/19</a:t>
             </a:fld>
             <a:endParaRPr lang="zh-TW" altLang="en-US"/>
           </a:p>
@@ -2375,7 +2380,7 @@
           <a:p>
             <a:fld id="{E77ACE03-4FA6-4D5B-9B79-C7694F7C537E}" type="datetimeFigureOut">
               <a:rPr lang="zh-TW" altLang="en-US" smtClean="0"/>
-              <a:t>2021/6/18</a:t>
+              <a:t>2021/6/19</a:t>
             </a:fld>
             <a:endParaRPr lang="zh-TW" altLang="en-US"/>
           </a:p>
@@ -2663,7 +2668,7 @@
           <a:p>
             <a:fld id="{E77ACE03-4FA6-4D5B-9B79-C7694F7C537E}" type="datetimeFigureOut">
               <a:rPr lang="zh-TW" altLang="en-US" smtClean="0"/>
-              <a:t>2021/6/18</a:t>
+              <a:t>2021/6/19</a:t>
             </a:fld>
             <a:endParaRPr lang="zh-TW" altLang="en-US"/>
           </a:p>
@@ -2904,7 +2909,7 @@
           <a:p>
             <a:fld id="{E77ACE03-4FA6-4D5B-9B79-C7694F7C537E}" type="datetimeFigureOut">
               <a:rPr lang="zh-TW" altLang="en-US" smtClean="0"/>
-              <a:t>2021/6/18</a:t>
+              <a:t>2021/6/19</a:t>
             </a:fld>
             <a:endParaRPr lang="zh-TW" altLang="en-US"/>
           </a:p>
@@ -3331,10 +3336,10 @@
       </p:grpSpPr>
       <p:pic>
         <p:nvPicPr>
-          <p:cNvPr id="5" name="圖片 4">
-            <a:extLst>
-              <a:ext uri="{FF2B5EF4-FFF2-40B4-BE49-F238E27FC236}">
-                <a16:creationId xmlns:a16="http://schemas.microsoft.com/office/drawing/2014/main" id="{6C3827DD-3FB5-48A8-825D-61102D46CE13}"/>
+          <p:cNvPr id="7" name="圖片 6">
+            <a:extLst>
+              <a:ext uri="{FF2B5EF4-FFF2-40B4-BE49-F238E27FC236}">
+                <a16:creationId xmlns:a16="http://schemas.microsoft.com/office/drawing/2014/main" id="{832F283B-0E75-4E46-9C6E-96A4B0B887EA}"/>
               </a:ext>
             </a:extLst>
           </p:cNvPr>
@@ -3345,42 +3350,6 @@
         </p:nvPicPr>
         <p:blipFill>
           <a:blip r:embed="rId2">
-            <a:extLst>
-              <a:ext uri="{28A0092B-C50C-407E-A947-70E740481C1C}">
-                <a14:useLocalDpi xmlns:a14="http://schemas.microsoft.com/office/drawing/2010/main" val="0"/>
-              </a:ext>
-            </a:extLst>
-          </a:blip>
-          <a:stretch>
-            <a:fillRect/>
-          </a:stretch>
-        </p:blipFill>
-        <p:spPr>
-          <a:xfrm>
-            <a:off x="7607937" y="2916555"/>
-            <a:ext cx="2609850" cy="814782"/>
-          </a:xfrm>
-          <a:prstGeom prst="rect">
-            <a:avLst/>
-          </a:prstGeom>
-        </p:spPr>
-      </p:pic>
-      <p:pic>
-        <p:nvPicPr>
-          <p:cNvPr id="7" name="圖片 6">
-            <a:extLst>
-              <a:ext uri="{FF2B5EF4-FFF2-40B4-BE49-F238E27FC236}">
-                <a16:creationId xmlns:a16="http://schemas.microsoft.com/office/drawing/2014/main" id="{832F283B-0E75-4E46-9C6E-96A4B0B887EA}"/>
-              </a:ext>
-            </a:extLst>
-          </p:cNvPr>
-          <p:cNvPicPr>
-            <a:picLocks noChangeAspect="1"/>
-          </p:cNvPicPr>
-          <p:nvPr/>
-        </p:nvPicPr>
-        <p:blipFill>
-          <a:blip r:embed="rId3">
             <a:extLst>
               <a:ext uri="{28A0092B-C50C-407E-A947-70E740481C1C}">
                 <a14:useLocalDpi xmlns:a14="http://schemas.microsoft.com/office/drawing/2010/main" val="0"/>
@@ -3401,42 +3370,285 @@
           </a:prstGeom>
         </p:spPr>
       </p:pic>
-      <p:pic>
-        <p:nvPicPr>
-          <p:cNvPr id="11" name="圖片 10">
-            <a:extLst>
-              <a:ext uri="{FF2B5EF4-FFF2-40B4-BE49-F238E27FC236}">
-                <a16:creationId xmlns:a16="http://schemas.microsoft.com/office/drawing/2014/main" id="{E8C3C6B3-675A-4C97-AAE9-1CB4BA852FE2}"/>
-              </a:ext>
-            </a:extLst>
-          </p:cNvPr>
-          <p:cNvPicPr>
-            <a:picLocks noChangeAspect="1"/>
-          </p:cNvPicPr>
+      <p:grpSp>
+        <p:nvGrpSpPr>
+          <p:cNvPr id="8" name="群組 7">
+            <a:extLst>
+              <a:ext uri="{FF2B5EF4-FFF2-40B4-BE49-F238E27FC236}">
+                <a16:creationId xmlns:a16="http://schemas.microsoft.com/office/drawing/2014/main" id="{BAE8D1EA-AC55-4571-8F27-48A7DCE568F3}"/>
+              </a:ext>
+            </a:extLst>
+          </p:cNvPr>
+          <p:cNvGrpSpPr/>
           <p:nvPr/>
-        </p:nvPicPr>
-        <p:blipFill>
-          <a:blip r:embed="rId4">
-            <a:extLst>
-              <a:ext uri="{28A0092B-C50C-407E-A947-70E740481C1C}">
-                <a14:useLocalDpi xmlns:a14="http://schemas.microsoft.com/office/drawing/2010/main" val="0"/>
-              </a:ext>
-            </a:extLst>
-          </a:blip>
-          <a:stretch>
-            <a:fillRect/>
-          </a:stretch>
-        </p:blipFill>
+        </p:nvGrpSpPr>
+        <p:grpSpPr>
+          <a:xfrm>
+            <a:off x="5916543" y="3170555"/>
+            <a:ext cx="179457" cy="1579709"/>
+            <a:chOff x="6133107" y="2851488"/>
+            <a:chExt cx="179457" cy="1579709"/>
+          </a:xfrm>
+        </p:grpSpPr>
+        <p:cxnSp>
+          <p:nvCxnSpPr>
+            <p:cNvPr id="3" name="直線接點 2">
+              <a:extLst>
+                <a:ext uri="{FF2B5EF4-FFF2-40B4-BE49-F238E27FC236}">
+                  <a16:creationId xmlns:a16="http://schemas.microsoft.com/office/drawing/2014/main" id="{5128CF2A-A0C6-4B71-83F4-0A4AA749F1F8}"/>
+                </a:ext>
+              </a:extLst>
+            </p:cNvPr>
+            <p:cNvCxnSpPr>
+              <a:cxnSpLocks/>
+            </p:cNvCxnSpPr>
+            <p:nvPr/>
+          </p:nvCxnSpPr>
+          <p:spPr>
+            <a:xfrm>
+              <a:off x="6213393" y="2851488"/>
+              <a:ext cx="0" cy="1444536"/>
+            </a:xfrm>
+            <a:prstGeom prst="line">
+              <a:avLst/>
+            </a:prstGeom>
+            <a:ln w="38100">
+              <a:solidFill>
+                <a:schemeClr val="bg1"/>
+              </a:solidFill>
+            </a:ln>
+          </p:spPr>
+          <p:style>
+            <a:lnRef idx="1">
+              <a:schemeClr val="accent1"/>
+            </a:lnRef>
+            <a:fillRef idx="0">
+              <a:schemeClr val="accent1"/>
+            </a:fillRef>
+            <a:effectRef idx="0">
+              <a:schemeClr val="accent1"/>
+            </a:effectRef>
+            <a:fontRef idx="minor">
+              <a:schemeClr val="tx1"/>
+            </a:fontRef>
+          </p:style>
+        </p:cxnSp>
+        <p:sp>
+          <p:nvSpPr>
+            <p:cNvPr id="4" name="橢圓 3">
+              <a:extLst>
+                <a:ext uri="{FF2B5EF4-FFF2-40B4-BE49-F238E27FC236}">
+                  <a16:creationId xmlns:a16="http://schemas.microsoft.com/office/drawing/2014/main" id="{4AFB5935-2B67-4BB4-BC4E-6B9DFB8C15B4}"/>
+                </a:ext>
+              </a:extLst>
+            </p:cNvPr>
+            <p:cNvSpPr/>
+            <p:nvPr/>
+          </p:nvSpPr>
+          <p:spPr>
+            <a:xfrm>
+              <a:off x="6133107" y="4251740"/>
+              <a:ext cx="179457" cy="179457"/>
+            </a:xfrm>
+            <a:prstGeom prst="ellipse">
+              <a:avLst/>
+            </a:prstGeom>
+            <a:solidFill>
+              <a:schemeClr val="bg1"/>
+            </a:solidFill>
+            <a:ln>
+              <a:solidFill>
+                <a:schemeClr val="bg1"/>
+              </a:solidFill>
+            </a:ln>
+          </p:spPr>
+          <p:style>
+            <a:lnRef idx="2">
+              <a:schemeClr val="accent1">
+                <a:shade val="50000"/>
+              </a:schemeClr>
+            </a:lnRef>
+            <a:fillRef idx="1">
+              <a:schemeClr val="accent1"/>
+            </a:fillRef>
+            <a:effectRef idx="0">
+              <a:schemeClr val="accent1"/>
+            </a:effectRef>
+            <a:fontRef idx="minor">
+              <a:schemeClr val="lt1"/>
+            </a:fontRef>
+          </p:style>
+          <p:txBody>
+            <a:bodyPr rtlCol="0" anchor="ctr"/>
+            <a:lstStyle/>
+            <a:p>
+              <a:pPr algn="ctr"/>
+              <a:endParaRPr lang="zh-TW" altLang="en-US"/>
+            </a:p>
+          </p:txBody>
+        </p:sp>
+      </p:grpSp>
+      <p:sp>
+        <p:nvSpPr>
+          <p:cNvPr id="2" name="矩形: 圓角 1">
+            <a:extLst>
+              <a:ext uri="{FF2B5EF4-FFF2-40B4-BE49-F238E27FC236}">
+                <a16:creationId xmlns:a16="http://schemas.microsoft.com/office/drawing/2014/main" id="{337D1E46-084E-44A6-9D19-DD5D3FB7F4F5}"/>
+              </a:ext>
+            </a:extLst>
+          </p:cNvPr>
+          <p:cNvSpPr/>
+          <p:nvPr/>
+        </p:nvSpPr>
         <p:spPr>
           <a:xfrm>
-            <a:off x="6096000" y="1865630"/>
-            <a:ext cx="163076" cy="2711133"/>
+            <a:off x="7088589" y="2053426"/>
+            <a:ext cx="1375574" cy="1375574"/>
+          </a:xfrm>
+          <a:prstGeom prst="roundRect">
+            <a:avLst/>
+          </a:prstGeom>
+          <a:solidFill>
+            <a:schemeClr val="tx1"/>
+          </a:solidFill>
+          <a:ln w="38100">
+            <a:solidFill>
+              <a:schemeClr val="bg1"/>
+            </a:solidFill>
+          </a:ln>
+        </p:spPr>
+        <p:style>
+          <a:lnRef idx="2">
+            <a:schemeClr val="accent1">
+              <a:shade val="50000"/>
+            </a:schemeClr>
+          </a:lnRef>
+          <a:fillRef idx="1">
+            <a:schemeClr val="accent1"/>
+          </a:fillRef>
+          <a:effectRef idx="0">
+            <a:schemeClr val="accent1"/>
+          </a:effectRef>
+          <a:fontRef idx="minor">
+            <a:schemeClr val="lt1"/>
+          </a:fontRef>
+        </p:style>
+        <p:txBody>
+          <a:bodyPr rtlCol="0" anchor="ctr"/>
+          <a:lstStyle/>
+          <a:p>
+            <a:pPr algn="ctr"/>
+            <a:r>
+              <a:rPr lang="zh-TW" altLang="en-US" sz="3000" dirty="0"/>
+              <a:t>開始</a:t>
+            </a:r>
+            <a:endParaRPr lang="en-US" altLang="zh-TW" sz="3000" dirty="0"/>
+          </a:p>
+          <a:p>
+            <a:pPr algn="ctr"/>
+            <a:endParaRPr lang="zh-TW" altLang="en-US" sz="3000" dirty="0"/>
+          </a:p>
+        </p:txBody>
+      </p:sp>
+      <p:sp>
+        <p:nvSpPr>
+          <p:cNvPr id="9" name="矩形: 圓角 8">
+            <a:extLst>
+              <a:ext uri="{FF2B5EF4-FFF2-40B4-BE49-F238E27FC236}">
+                <a16:creationId xmlns:a16="http://schemas.microsoft.com/office/drawing/2014/main" id="{4383F923-6E88-4B2A-900E-997AB22D85B0}"/>
+              </a:ext>
+            </a:extLst>
+          </p:cNvPr>
+          <p:cNvSpPr/>
+          <p:nvPr/>
+        </p:nvSpPr>
+        <p:spPr>
+          <a:xfrm>
+            <a:off x="7088589" y="3721209"/>
+            <a:ext cx="1375574" cy="580447"/>
+          </a:xfrm>
+          <a:prstGeom prst="roundRect">
+            <a:avLst/>
+          </a:prstGeom>
+          <a:solidFill>
+            <a:schemeClr val="tx1"/>
+          </a:solidFill>
+          <a:ln w="38100">
+            <a:solidFill>
+              <a:schemeClr val="bg1"/>
+            </a:solidFill>
+          </a:ln>
+        </p:spPr>
+        <p:style>
+          <a:lnRef idx="2">
+            <a:schemeClr val="accent1">
+              <a:shade val="50000"/>
+            </a:schemeClr>
+          </a:lnRef>
+          <a:fillRef idx="1">
+            <a:schemeClr val="accent1"/>
+          </a:fillRef>
+          <a:effectRef idx="0">
+            <a:schemeClr val="accent1"/>
+          </a:effectRef>
+          <a:fontRef idx="minor">
+            <a:schemeClr val="lt1"/>
+          </a:fontRef>
+        </p:style>
+        <p:txBody>
+          <a:bodyPr rtlCol="0" anchor="ctr"/>
+          <a:lstStyle/>
+          <a:p>
+            <a:pPr algn="ctr"/>
+            <a:r>
+              <a:rPr lang="zh-TW" altLang="en-US" sz="2000" dirty="0"/>
+              <a:t>重設關卡</a:t>
+            </a:r>
+            <a:endParaRPr lang="en-US" altLang="zh-TW" sz="2000" dirty="0"/>
+          </a:p>
+        </p:txBody>
+      </p:sp>
+      <p:sp>
+        <p:nvSpPr>
+          <p:cNvPr id="6" name="文字方塊 5">
+            <a:extLst>
+              <a:ext uri="{FF2B5EF4-FFF2-40B4-BE49-F238E27FC236}">
+                <a16:creationId xmlns:a16="http://schemas.microsoft.com/office/drawing/2014/main" id="{801B1021-8CF6-40A4-B591-A9D082702E57}"/>
+              </a:ext>
+            </a:extLst>
+          </p:cNvPr>
+          <p:cNvSpPr txBox="1"/>
+          <p:nvPr/>
+        </p:nvSpPr>
+        <p:spPr>
+          <a:xfrm>
+            <a:off x="6607534" y="834887"/>
+            <a:ext cx="2749471" cy="861774"/>
           </a:xfrm>
           <a:prstGeom prst="rect">
             <a:avLst/>
           </a:prstGeom>
+          <a:noFill/>
         </p:spPr>
-      </p:pic>
+        <p:txBody>
+          <a:bodyPr wrap="none" rtlCol="0">
+            <a:spAutoFit/>
+          </a:bodyPr>
+          <a:lstStyle/>
+          <a:p>
+            <a:r>
+              <a:rPr lang="zh-TW" altLang="en-US" sz="5000" dirty="0">
+                <a:solidFill>
+                  <a:schemeClr val="bg1"/>
+                </a:solidFill>
+                <a:latin typeface="Simplified Arabic" panose="020B0604020202020204" pitchFamily="18" charset="-78"/>
+                <a:cs typeface="Simplified Arabic" panose="020B0604020202020204" pitchFamily="18" charset="-78"/>
+              </a:rPr>
+              <a:t>見鏠插針</a:t>
+            </a:r>
+          </a:p>
+        </p:txBody>
+      </p:sp>
     </p:spTree>
     <p:extLst>
       <p:ext uri="{BB962C8B-B14F-4D97-AF65-F5344CB8AC3E}">
